--- a/DATA265_무슬림 관광 활성화 방안/DATA265_무슬림 관광 활성화 방안.pptx
+++ b/DATA265_무슬림 관광 활성화 방안/DATA265_무슬림 관광 활성화 방안.pptx
@@ -20870,7 +20870,7 @@
             <p:ph idx="1"/>
             <p:extLst>
               <p:ext uri="{D42A27DB-BD31-4B8C-83A1-F6EECF244321}">
-                <p14:modId xmlns:p14="http://schemas.microsoft.com/office/powerpoint/2010/main" val="2035518224"/>
+                <p14:modId xmlns:p14="http://schemas.microsoft.com/office/powerpoint/2010/main" val="1378982544"/>
               </p:ext>
             </p:extLst>
           </p:nvPr>
@@ -21075,6 +21075,16 @@
                     <a:lstStyle/>
                     <a:p>
                       <a:pPr algn="ctr" latinLnBrk="1"/>
+                      <a:r>
+                        <a:rPr lang="en-US" altLang="ko-KR" sz="1100" b="1" dirty="0">
+                          <a:solidFill>
+                            <a:schemeClr val="bg1"/>
+                          </a:solidFill>
+                          <a:latin typeface="포천 오성과 한음 Bold" panose="020B0803000000000000" pitchFamily="50" charset="-127"/>
+                          <a:ea typeface="포천 오성과 한음 Bold" panose="020B0803000000000000" pitchFamily="50" charset="-127"/>
+                        </a:rPr>
+                        <a:t>95% </a:t>
+                      </a:r>
                       <a:r>
                         <a:rPr lang="ko-KR" altLang="en-US" sz="1100" b="1" dirty="0">
                           <a:solidFill>
